--- a/17/beom/Transport.pptx
+++ b/17/beom/Transport.pptx
@@ -5,7 +5,7 @@
     <p:sldMasterId id="2147483648" r:id="rId1"/>
   </p:sldMasterIdLst>
   <p:notesMasterIdLst>
-    <p:notesMasterId r:id="rId12"/>
+    <p:notesMasterId r:id="rId13"/>
   </p:notesMasterIdLst>
   <p:sldIdLst>
     <p:sldId id="257" r:id="rId2"/>
@@ -15,9 +15,10 @@
     <p:sldId id="287" r:id="rId6"/>
     <p:sldId id="288" r:id="rId7"/>
     <p:sldId id="290" r:id="rId8"/>
-    <p:sldId id="289" r:id="rId9"/>
-    <p:sldId id="291" r:id="rId10"/>
-    <p:sldId id="278" r:id="rId11"/>
+    <p:sldId id="292" r:id="rId9"/>
+    <p:sldId id="289" r:id="rId10"/>
+    <p:sldId id="291" r:id="rId11"/>
+    <p:sldId id="278" r:id="rId12"/>
   </p:sldIdLst>
   <p:sldSz cx="12192000" cy="6858000"/>
   <p:notesSz cx="6858000" cy="9144000"/>
@@ -206,7 +207,7 @@
           <a:p>
             <a:fld id="{584E9FA8-164B-485B-89B7-5F2E0A357284}" type="datetimeFigureOut">
               <a:rPr lang="ko-KR" altLang="en-US" smtClean="0"/>
-              <a:t>2022-04-29</a:t>
+              <a:t>2022-04-30</a:t>
             </a:fld>
             <a:endParaRPr lang="ko-KR" altLang="en-US"/>
           </a:p>
@@ -967,7 +968,7 @@
     </p:spTree>
     <p:extLst>
       <p:ext uri="{BB962C8B-B14F-4D97-AF65-F5344CB8AC3E}">
-        <p14:creationId xmlns:p14="http://schemas.microsoft.com/office/powerpoint/2010/main" val="596870587"/>
+        <p14:creationId xmlns:p14="http://schemas.microsoft.com/office/powerpoint/2010/main" val="3842630426"/>
       </p:ext>
     </p:extLst>
   </p:cSld>
@@ -1051,7 +1052,7 @@
     </p:spTree>
     <p:extLst>
       <p:ext uri="{BB962C8B-B14F-4D97-AF65-F5344CB8AC3E}">
-        <p14:creationId xmlns:p14="http://schemas.microsoft.com/office/powerpoint/2010/main" val="2849193557"/>
+        <p14:creationId xmlns:p14="http://schemas.microsoft.com/office/powerpoint/2010/main" val="596870587"/>
       </p:ext>
     </p:extLst>
   </p:cSld>
@@ -1105,165 +1106,7 @@
           <a:bodyPr/>
           <a:lstStyle/>
           <a:p>
-            <a:r>
-              <a:rPr lang="ko-KR" altLang="en-US" dirty="0"/>
-              <a:t>그럼 다 소켓 </a:t>
-            </a:r>
-            <a:r>
-              <a:rPr lang="en-US" altLang="ko-KR" dirty="0"/>
-              <a:t>1</a:t>
-            </a:r>
-            <a:r>
-              <a:rPr lang="ko-KR" altLang="en-US" dirty="0"/>
-              <a:t>에서 복사한 것인데 어떻게 소켓을 </a:t>
-            </a:r>
-            <a:r>
-              <a:rPr lang="ko-KR" altLang="en-US" dirty="0" err="1"/>
-              <a:t>구분할까라는</a:t>
-            </a:r>
-            <a:r>
-              <a:rPr lang="ko-KR" altLang="en-US" dirty="0"/>
-              <a:t> 의문도 </a:t>
-            </a:r>
-            <a:r>
-              <a:rPr lang="ko-KR" altLang="en-US" dirty="0" err="1"/>
-              <a:t>들수</a:t>
-            </a:r>
-            <a:r>
-              <a:rPr lang="ko-KR" altLang="en-US" dirty="0"/>
-              <a:t> 있다</a:t>
-            </a:r>
-            <a:r>
-              <a:rPr lang="en-US" altLang="ko-KR" dirty="0"/>
-              <a:t>.</a:t>
-            </a:r>
-          </a:p>
-          <a:p>
-            <a:r>
-              <a:rPr lang="ko-KR" altLang="en-US" dirty="0"/>
-              <a:t>정답은 바로 파일 </a:t>
-            </a:r>
-            <a:r>
-              <a:rPr lang="ko-KR" altLang="en-US" dirty="0" err="1"/>
-              <a:t>디스크립터를</a:t>
-            </a:r>
-            <a:r>
-              <a:rPr lang="ko-KR" altLang="en-US" dirty="0"/>
-              <a:t> 사용한다</a:t>
-            </a:r>
-            <a:r>
-              <a:rPr lang="en-US" altLang="ko-KR" dirty="0"/>
-              <a:t>. </a:t>
-            </a:r>
-          </a:p>
-          <a:p>
-            <a:r>
-              <a:rPr lang="en-US" altLang="ko-KR" dirty="0"/>
-              <a:t>/</a:t>
-            </a:r>
-          </a:p>
-          <a:p>
-            <a:r>
-              <a:rPr lang="ko-KR" altLang="en-US" dirty="0"/>
-              <a:t>파일 </a:t>
-            </a:r>
-            <a:r>
-              <a:rPr lang="ko-KR" altLang="en-US" dirty="0" err="1"/>
-              <a:t>디스크립터란</a:t>
-            </a:r>
-            <a:r>
-              <a:rPr lang="ko-KR" altLang="en-US" dirty="0"/>
-              <a:t> 운영체제가 특정 파일에 할당해준 </a:t>
-            </a:r>
-            <a:r>
-              <a:rPr lang="ko-KR" altLang="en-US" dirty="0" err="1"/>
-              <a:t>정수값을</a:t>
-            </a:r>
-            <a:r>
-              <a:rPr lang="ko-KR" altLang="en-US" dirty="0"/>
-              <a:t> 의미한다</a:t>
-            </a:r>
-            <a:r>
-              <a:rPr lang="en-US" altLang="ko-KR" dirty="0"/>
-              <a:t>.</a:t>
-            </a:r>
-          </a:p>
-          <a:p>
-            <a:endParaRPr lang="en-US" altLang="ko-KR" dirty="0"/>
-          </a:p>
-          <a:p>
-            <a:r>
-              <a:rPr lang="en-US" altLang="ko-KR" dirty="0"/>
-              <a:t>/</a:t>
-            </a:r>
-          </a:p>
-          <a:p>
-            <a:r>
-              <a:rPr lang="ko-KR" altLang="en-US" dirty="0"/>
-              <a:t>우리가 흔히 알고 있는 </a:t>
-            </a:r>
-            <a:r>
-              <a:rPr lang="ko-KR" altLang="en-US" dirty="0" err="1"/>
-              <a:t>파일뿐만</a:t>
-            </a:r>
-            <a:r>
-              <a:rPr lang="ko-KR" altLang="en-US" dirty="0"/>
-              <a:t> 아니라 소켓과 같은 자원도 파일 </a:t>
-            </a:r>
-            <a:r>
-              <a:rPr lang="ko-KR" altLang="en-US" dirty="0" err="1"/>
-              <a:t>디스크립터</a:t>
-            </a:r>
-            <a:r>
-              <a:rPr lang="ko-KR" altLang="en-US" dirty="0"/>
-              <a:t> 값을 받는다</a:t>
-            </a:r>
-            <a:r>
-              <a:rPr lang="en-US" altLang="ko-KR" dirty="0"/>
-              <a:t>.</a:t>
-            </a:r>
-          </a:p>
-          <a:p>
-            <a:r>
-              <a:rPr lang="ko-KR" altLang="en-US" dirty="0"/>
-              <a:t>소켓을 생성하는 </a:t>
-            </a:r>
-            <a:r>
-              <a:rPr lang="en-US" altLang="ko-KR" dirty="0"/>
-              <a:t>socket()</a:t>
-            </a:r>
-            <a:r>
-              <a:rPr lang="ko-KR" altLang="en-US" dirty="0"/>
-              <a:t>함수와</a:t>
-            </a:r>
-            <a:r>
-              <a:rPr lang="en-US" altLang="ko-KR" dirty="0"/>
-              <a:t>, </a:t>
-            </a:r>
-            <a:r>
-              <a:rPr lang="ko-KR" altLang="en-US" dirty="0"/>
-              <a:t>연결을 수락하는 </a:t>
-            </a:r>
-            <a:r>
-              <a:rPr lang="en-US" altLang="ko-KR" dirty="0"/>
-              <a:t>accept()</a:t>
-            </a:r>
-            <a:r>
-              <a:rPr lang="ko-KR" altLang="en-US" dirty="0"/>
-              <a:t>함수 모두 파일 </a:t>
-            </a:r>
-            <a:r>
-              <a:rPr lang="ko-KR" altLang="en-US" dirty="0" err="1"/>
-              <a:t>디스크립터</a:t>
-            </a:r>
-            <a:r>
-              <a:rPr lang="ko-KR" altLang="en-US" dirty="0"/>
-              <a:t> 값을 반환한다</a:t>
-            </a:r>
-            <a:r>
-              <a:rPr lang="en-US" altLang="ko-KR" dirty="0"/>
-              <a:t>.</a:t>
-            </a:r>
+            <a:endParaRPr lang="ko-KR" altLang="en-US" dirty="0"/>
           </a:p>
         </p:txBody>
       </p:sp>
@@ -1285,6 +1128,248 @@
             <a:fld id="{E50CC78D-D063-4E8A-91D5-C467BE26FA22}" type="slidenum">
               <a:rPr lang="ko-KR" altLang="en-US" smtClean="0"/>
               <a:t>10</a:t>
+            </a:fld>
+            <a:endParaRPr lang="ko-KR" altLang="en-US"/>
+          </a:p>
+        </p:txBody>
+      </p:sp>
+    </p:spTree>
+    <p:extLst>
+      <p:ext uri="{BB962C8B-B14F-4D97-AF65-F5344CB8AC3E}">
+        <p14:creationId xmlns:p14="http://schemas.microsoft.com/office/powerpoint/2010/main" val="2849193557"/>
+      </p:ext>
+    </p:extLst>
+  </p:cSld>
+  <p:clrMapOvr>
+    <a:masterClrMapping/>
+  </p:clrMapOvr>
+</p:notes>
+</file>
+
+<file path=ppt/notesSlides/notesSlide9.xml><?xml version="1.0" encoding="utf-8"?>
+<p:notes xmlns:a="http://schemas.openxmlformats.org/drawingml/2006/main" xmlns:r="http://schemas.openxmlformats.org/officeDocument/2006/relationships" xmlns:p="http://schemas.openxmlformats.org/presentationml/2006/main">
+  <p:cSld>
+    <p:spTree>
+      <p:nvGrpSpPr>
+        <p:cNvPr id="1" name=""/>
+        <p:cNvGrpSpPr/>
+        <p:nvPr/>
+      </p:nvGrpSpPr>
+      <p:grpSpPr>
+        <a:xfrm>
+          <a:off x="0" y="0"/>
+          <a:ext cx="0" cy="0"/>
+          <a:chOff x="0" y="0"/>
+          <a:chExt cx="0" cy="0"/>
+        </a:xfrm>
+      </p:grpSpPr>
+      <p:sp>
+        <p:nvSpPr>
+          <p:cNvPr id="2" name="슬라이드 이미지 개체 틀 1"/>
+          <p:cNvSpPr>
+            <a:spLocks noGrp="1" noRot="1" noChangeAspect="1"/>
+          </p:cNvSpPr>
+          <p:nvPr>
+            <p:ph type="sldImg"/>
+          </p:nvPr>
+        </p:nvSpPr>
+        <p:spPr/>
+      </p:sp>
+      <p:sp>
+        <p:nvSpPr>
+          <p:cNvPr id="3" name="슬라이드 노트 개체 틀 2"/>
+          <p:cNvSpPr>
+            <a:spLocks noGrp="1"/>
+          </p:cNvSpPr>
+          <p:nvPr>
+            <p:ph type="body" idx="1"/>
+          </p:nvPr>
+        </p:nvSpPr>
+        <p:spPr/>
+        <p:txBody>
+          <a:bodyPr/>
+          <a:lstStyle/>
+          <a:p>
+            <a:r>
+              <a:rPr lang="ko-KR" altLang="en-US" dirty="0"/>
+              <a:t>그럼 다 소켓 </a:t>
+            </a:r>
+            <a:r>
+              <a:rPr lang="en-US" altLang="ko-KR" dirty="0"/>
+              <a:t>1</a:t>
+            </a:r>
+            <a:r>
+              <a:rPr lang="ko-KR" altLang="en-US" dirty="0"/>
+              <a:t>에서 복사한 것인데 어떻게 소켓을 </a:t>
+            </a:r>
+            <a:r>
+              <a:rPr lang="ko-KR" altLang="en-US" dirty="0" err="1"/>
+              <a:t>구분할까라는</a:t>
+            </a:r>
+            <a:r>
+              <a:rPr lang="ko-KR" altLang="en-US" dirty="0"/>
+              <a:t> 의문도 </a:t>
+            </a:r>
+            <a:r>
+              <a:rPr lang="ko-KR" altLang="en-US" dirty="0" err="1"/>
+              <a:t>들수</a:t>
+            </a:r>
+            <a:r>
+              <a:rPr lang="ko-KR" altLang="en-US" dirty="0"/>
+              <a:t> 있다</a:t>
+            </a:r>
+            <a:r>
+              <a:rPr lang="en-US" altLang="ko-KR" dirty="0"/>
+              <a:t>.</a:t>
+            </a:r>
+          </a:p>
+          <a:p>
+            <a:r>
+              <a:rPr lang="ko-KR" altLang="en-US" dirty="0"/>
+              <a:t>정답은 바로 파일 </a:t>
+            </a:r>
+            <a:r>
+              <a:rPr lang="ko-KR" altLang="en-US" dirty="0" err="1"/>
+              <a:t>디스크립터를</a:t>
+            </a:r>
+            <a:r>
+              <a:rPr lang="ko-KR" altLang="en-US" dirty="0"/>
+              <a:t> 사용한다</a:t>
+            </a:r>
+            <a:r>
+              <a:rPr lang="en-US" altLang="ko-KR" dirty="0"/>
+              <a:t>. </a:t>
+            </a:r>
+          </a:p>
+          <a:p>
+            <a:r>
+              <a:rPr lang="en-US" altLang="ko-KR" dirty="0"/>
+              <a:t>/</a:t>
+            </a:r>
+          </a:p>
+          <a:p>
+            <a:r>
+              <a:rPr lang="ko-KR" altLang="en-US" dirty="0"/>
+              <a:t>파일 </a:t>
+            </a:r>
+            <a:r>
+              <a:rPr lang="ko-KR" altLang="en-US" dirty="0" err="1"/>
+              <a:t>디스크립터란</a:t>
+            </a:r>
+            <a:r>
+              <a:rPr lang="ko-KR" altLang="en-US" dirty="0"/>
+              <a:t> 운영체제가 특정 파일에 할당해준 </a:t>
+            </a:r>
+            <a:r>
+              <a:rPr lang="ko-KR" altLang="en-US" dirty="0" err="1"/>
+              <a:t>정수값을</a:t>
+            </a:r>
+            <a:r>
+              <a:rPr lang="ko-KR" altLang="en-US" dirty="0"/>
+              <a:t> 의미한다</a:t>
+            </a:r>
+            <a:r>
+              <a:rPr lang="en-US" altLang="ko-KR" dirty="0"/>
+              <a:t>.</a:t>
+            </a:r>
+          </a:p>
+          <a:p>
+            <a:endParaRPr lang="en-US" altLang="ko-KR" dirty="0"/>
+          </a:p>
+          <a:p>
+            <a:r>
+              <a:rPr lang="en-US" altLang="ko-KR" dirty="0"/>
+              <a:t>/</a:t>
+            </a:r>
+          </a:p>
+          <a:p>
+            <a:r>
+              <a:rPr lang="ko-KR" altLang="en-US" dirty="0"/>
+              <a:t>우리가 흔히 알고 있는 </a:t>
+            </a:r>
+            <a:r>
+              <a:rPr lang="ko-KR" altLang="en-US" dirty="0" err="1"/>
+              <a:t>파일뿐만</a:t>
+            </a:r>
+            <a:r>
+              <a:rPr lang="ko-KR" altLang="en-US" dirty="0"/>
+              <a:t> 아니라 소켓과 같은 자원도 파일 </a:t>
+            </a:r>
+            <a:r>
+              <a:rPr lang="ko-KR" altLang="en-US" dirty="0" err="1"/>
+              <a:t>디스크립터</a:t>
+            </a:r>
+            <a:r>
+              <a:rPr lang="ko-KR" altLang="en-US" dirty="0"/>
+              <a:t> 값을 받는다</a:t>
+            </a:r>
+            <a:r>
+              <a:rPr lang="en-US" altLang="ko-KR" dirty="0"/>
+              <a:t>.</a:t>
+            </a:r>
+          </a:p>
+          <a:p>
+            <a:r>
+              <a:rPr lang="ko-KR" altLang="en-US" dirty="0"/>
+              <a:t>소켓을 생성하는 </a:t>
+            </a:r>
+            <a:r>
+              <a:rPr lang="en-US" altLang="ko-KR" dirty="0"/>
+              <a:t>socket()</a:t>
+            </a:r>
+            <a:r>
+              <a:rPr lang="ko-KR" altLang="en-US" dirty="0"/>
+              <a:t>함수와</a:t>
+            </a:r>
+            <a:r>
+              <a:rPr lang="en-US" altLang="ko-KR" dirty="0"/>
+              <a:t>, </a:t>
+            </a:r>
+            <a:r>
+              <a:rPr lang="ko-KR" altLang="en-US" dirty="0"/>
+              <a:t>연결을 수락하는 </a:t>
+            </a:r>
+            <a:r>
+              <a:rPr lang="en-US" altLang="ko-KR" dirty="0"/>
+              <a:t>accept()</a:t>
+            </a:r>
+            <a:r>
+              <a:rPr lang="ko-KR" altLang="en-US" dirty="0"/>
+              <a:t>함수 모두 파일 </a:t>
+            </a:r>
+            <a:r>
+              <a:rPr lang="ko-KR" altLang="en-US" dirty="0" err="1"/>
+              <a:t>디스크립터</a:t>
+            </a:r>
+            <a:r>
+              <a:rPr lang="ko-KR" altLang="en-US" dirty="0"/>
+              <a:t> 값을 반환한다</a:t>
+            </a:r>
+            <a:r>
+              <a:rPr lang="en-US" altLang="ko-KR" dirty="0"/>
+              <a:t>.</a:t>
+            </a:r>
+          </a:p>
+        </p:txBody>
+      </p:sp>
+      <p:sp>
+        <p:nvSpPr>
+          <p:cNvPr id="4" name="슬라이드 번호 개체 틀 3"/>
+          <p:cNvSpPr>
+            <a:spLocks noGrp="1"/>
+          </p:cNvSpPr>
+          <p:nvPr>
+            <p:ph type="sldNum" sz="quarter" idx="5"/>
+          </p:nvPr>
+        </p:nvSpPr>
+        <p:spPr/>
+        <p:txBody>
+          <a:bodyPr/>
+          <a:lstStyle/>
+          <a:p>
+            <a:fld id="{E50CC78D-D063-4E8A-91D5-C467BE26FA22}" type="slidenum">
+              <a:rPr lang="ko-KR" altLang="en-US" smtClean="0"/>
+              <a:t>11</a:t>
             </a:fld>
             <a:endParaRPr lang="ko-KR" altLang="en-US"/>
           </a:p>
@@ -1450,7 +1535,7 @@
           <a:p>
             <a:fld id="{35E87A9C-3629-4C00-B345-D33EEDCBC4E7}" type="datetimeFigureOut">
               <a:rPr lang="ko-KR" altLang="en-US" smtClean="0"/>
-              <a:t>2022-04-29</a:t>
+              <a:t>2022-04-30</a:t>
             </a:fld>
             <a:endParaRPr lang="ko-KR" altLang="en-US"/>
           </a:p>
@@ -1648,7 +1733,7 @@
           <a:p>
             <a:fld id="{35E87A9C-3629-4C00-B345-D33EEDCBC4E7}" type="datetimeFigureOut">
               <a:rPr lang="ko-KR" altLang="en-US" smtClean="0"/>
-              <a:t>2022-04-29</a:t>
+              <a:t>2022-04-30</a:t>
             </a:fld>
             <a:endParaRPr lang="ko-KR" altLang="en-US"/>
           </a:p>
@@ -1856,7 +1941,7 @@
           <a:p>
             <a:fld id="{35E87A9C-3629-4C00-B345-D33EEDCBC4E7}" type="datetimeFigureOut">
               <a:rPr lang="ko-KR" altLang="en-US" smtClean="0"/>
-              <a:t>2022-04-29</a:t>
+              <a:t>2022-04-30</a:t>
             </a:fld>
             <a:endParaRPr lang="ko-KR" altLang="en-US"/>
           </a:p>
@@ -2054,7 +2139,7 @@
           <a:p>
             <a:fld id="{35E87A9C-3629-4C00-B345-D33EEDCBC4E7}" type="datetimeFigureOut">
               <a:rPr lang="ko-KR" altLang="en-US" smtClean="0"/>
-              <a:t>2022-04-29</a:t>
+              <a:t>2022-04-30</a:t>
             </a:fld>
             <a:endParaRPr lang="ko-KR" altLang="en-US"/>
           </a:p>
@@ -2329,7 +2414,7 @@
           <a:p>
             <a:fld id="{35E87A9C-3629-4C00-B345-D33EEDCBC4E7}" type="datetimeFigureOut">
               <a:rPr lang="ko-KR" altLang="en-US" smtClean="0"/>
-              <a:t>2022-04-29</a:t>
+              <a:t>2022-04-30</a:t>
             </a:fld>
             <a:endParaRPr lang="ko-KR" altLang="en-US"/>
           </a:p>
@@ -2594,7 +2679,7 @@
           <a:p>
             <a:fld id="{35E87A9C-3629-4C00-B345-D33EEDCBC4E7}" type="datetimeFigureOut">
               <a:rPr lang="ko-KR" altLang="en-US" smtClean="0"/>
-              <a:t>2022-04-29</a:t>
+              <a:t>2022-04-30</a:t>
             </a:fld>
             <a:endParaRPr lang="ko-KR" altLang="en-US"/>
           </a:p>
@@ -3006,7 +3091,7 @@
           <a:p>
             <a:fld id="{35E87A9C-3629-4C00-B345-D33EEDCBC4E7}" type="datetimeFigureOut">
               <a:rPr lang="ko-KR" altLang="en-US" smtClean="0"/>
-              <a:t>2022-04-29</a:t>
+              <a:t>2022-04-30</a:t>
             </a:fld>
             <a:endParaRPr lang="ko-KR" altLang="en-US"/>
           </a:p>
@@ -3147,7 +3232,7 @@
           <a:p>
             <a:fld id="{35E87A9C-3629-4C00-B345-D33EEDCBC4E7}" type="datetimeFigureOut">
               <a:rPr lang="ko-KR" altLang="en-US" smtClean="0"/>
-              <a:t>2022-04-29</a:t>
+              <a:t>2022-04-30</a:t>
             </a:fld>
             <a:endParaRPr lang="ko-KR" altLang="en-US"/>
           </a:p>
@@ -3260,7 +3345,7 @@
           <a:p>
             <a:fld id="{35E87A9C-3629-4C00-B345-D33EEDCBC4E7}" type="datetimeFigureOut">
               <a:rPr lang="ko-KR" altLang="en-US" smtClean="0"/>
-              <a:t>2022-04-29</a:t>
+              <a:t>2022-04-30</a:t>
             </a:fld>
             <a:endParaRPr lang="ko-KR" altLang="en-US"/>
           </a:p>
@@ -3571,7 +3656,7 @@
           <a:p>
             <a:fld id="{35E87A9C-3629-4C00-B345-D33EEDCBC4E7}" type="datetimeFigureOut">
               <a:rPr lang="ko-KR" altLang="en-US" smtClean="0"/>
-              <a:t>2022-04-29</a:t>
+              <a:t>2022-04-30</a:t>
             </a:fld>
             <a:endParaRPr lang="ko-KR" altLang="en-US"/>
           </a:p>
@@ -3859,7 +3944,7 @@
           <a:p>
             <a:fld id="{35E87A9C-3629-4C00-B345-D33EEDCBC4E7}" type="datetimeFigureOut">
               <a:rPr lang="ko-KR" altLang="en-US" smtClean="0"/>
-              <a:t>2022-04-29</a:t>
+              <a:t>2022-04-30</a:t>
             </a:fld>
             <a:endParaRPr lang="ko-KR" altLang="en-US"/>
           </a:p>
@@ -4100,7 +4185,7 @@
           <a:p>
             <a:fld id="{35E87A9C-3629-4C00-B345-D33EEDCBC4E7}" type="datetimeFigureOut">
               <a:rPr lang="ko-KR" altLang="en-US" smtClean="0"/>
-              <a:t>2022-04-29</a:t>
+              <a:t>2022-04-30</a:t>
             </a:fld>
             <a:endParaRPr lang="ko-KR" altLang="en-US"/>
           </a:p>
@@ -4619,6 +4704,693 @@
       </p:grpSpPr>
       <p:sp>
         <p:nvSpPr>
+          <p:cNvPr id="2" name="제목 1">
+            <a:extLst>
+              <a:ext uri="{FF2B5EF4-FFF2-40B4-BE49-F238E27FC236}">
+                <a16:creationId xmlns:a16="http://schemas.microsoft.com/office/drawing/2014/main" id="{12F6E3D9-C2B7-45CF-A682-4F90C0445652}"/>
+              </a:ext>
+            </a:extLst>
+          </p:cNvPr>
+          <p:cNvSpPr>
+            <a:spLocks noGrp="1"/>
+          </p:cNvSpPr>
+          <p:nvPr>
+            <p:ph type="title"/>
+          </p:nvPr>
+        </p:nvSpPr>
+        <p:spPr>
+          <a:xfrm>
+            <a:off x="730849" y="-96572"/>
+            <a:ext cx="10515600" cy="1325563"/>
+          </a:xfrm>
+        </p:spPr>
+        <p:txBody>
+          <a:bodyPr/>
+          <a:lstStyle/>
+          <a:p>
+            <a:pPr algn="ctr"/>
+            <a:r>
+              <a:rPr lang="en-US" altLang="ko-KR" dirty="0"/>
+              <a:t>TCP</a:t>
+            </a:r>
+            <a:r>
+              <a:rPr lang="ko-KR" altLang="en-US" dirty="0"/>
+              <a:t>의 </a:t>
+            </a:r>
+            <a:r>
+              <a:rPr lang="ko-KR" altLang="en-US" dirty="0" err="1"/>
+              <a:t>역다중화</a:t>
+            </a:r>
+            <a:endParaRPr lang="ko-KR" altLang="en-US" dirty="0"/>
+          </a:p>
+        </p:txBody>
+      </p:sp>
+      <p:pic>
+        <p:nvPicPr>
+          <p:cNvPr id="5" name="그래픽 4" descr="서버 단색으로 채워진">
+            <a:extLst>
+              <a:ext uri="{FF2B5EF4-FFF2-40B4-BE49-F238E27FC236}">
+                <a16:creationId xmlns:a16="http://schemas.microsoft.com/office/drawing/2014/main" id="{D508636A-BC42-4831-AF4F-7DC586C2DA0A}"/>
+              </a:ext>
+            </a:extLst>
+          </p:cNvPr>
+          <p:cNvPicPr>
+            <a:picLocks noChangeAspect="1"/>
+          </p:cNvPicPr>
+          <p:nvPr/>
+        </p:nvPicPr>
+        <p:blipFill>
+          <a:blip r:embed="rId3">
+            <a:extLst>
+              <a:ext uri="{28A0092B-C50C-407E-A947-70E740481C1C}">
+                <a14:useLocalDpi xmlns:a14="http://schemas.microsoft.com/office/drawing/2010/main" val="0"/>
+              </a:ext>
+              <a:ext uri="{96DAC541-7B7A-43D3-8B79-37D633B846F1}">
+                <asvg:svgBlip xmlns:asvg="http://schemas.microsoft.com/office/drawing/2016/SVG/main" r:embed="rId4"/>
+              </a:ext>
+            </a:extLst>
+          </a:blip>
+          <a:stretch>
+            <a:fillRect/>
+          </a:stretch>
+        </p:blipFill>
+        <p:spPr>
+          <a:xfrm>
+            <a:off x="10849635" y="3265371"/>
+            <a:ext cx="914400" cy="914400"/>
+          </a:xfrm>
+          <a:prstGeom prst="rect">
+            <a:avLst/>
+          </a:prstGeom>
+        </p:spPr>
+      </p:pic>
+      <p:pic>
+        <p:nvPicPr>
+          <p:cNvPr id="8" name="그래픽 7" descr="컴퓨터 단색으로 채워진">
+            <a:extLst>
+              <a:ext uri="{FF2B5EF4-FFF2-40B4-BE49-F238E27FC236}">
+                <a16:creationId xmlns:a16="http://schemas.microsoft.com/office/drawing/2014/main" id="{AC6811DC-4094-475E-8992-5AD3084C8FE1}"/>
+              </a:ext>
+            </a:extLst>
+          </p:cNvPr>
+          <p:cNvPicPr>
+            <a:picLocks noChangeAspect="1"/>
+          </p:cNvPicPr>
+          <p:nvPr/>
+        </p:nvPicPr>
+        <p:blipFill>
+          <a:blip r:embed="rId5">
+            <a:extLst>
+              <a:ext uri="{28A0092B-C50C-407E-A947-70E740481C1C}">
+                <a14:useLocalDpi xmlns:a14="http://schemas.microsoft.com/office/drawing/2010/main" val="0"/>
+              </a:ext>
+              <a:ext uri="{96DAC541-7B7A-43D3-8B79-37D633B846F1}">
+                <asvg:svgBlip xmlns:asvg="http://schemas.microsoft.com/office/drawing/2016/SVG/main" r:embed="rId6"/>
+              </a:ext>
+            </a:extLst>
+          </a:blip>
+          <a:stretch>
+            <a:fillRect/>
+          </a:stretch>
+        </p:blipFill>
+        <p:spPr>
+          <a:xfrm>
+            <a:off x="1320800" y="4648200"/>
+            <a:ext cx="914400" cy="914400"/>
+          </a:xfrm>
+          <a:prstGeom prst="rect">
+            <a:avLst/>
+          </a:prstGeom>
+        </p:spPr>
+      </p:pic>
+      <p:pic>
+        <p:nvPicPr>
+          <p:cNvPr id="9" name="그래픽 8" descr="컴퓨터 단색으로 채워진">
+            <a:extLst>
+              <a:ext uri="{FF2B5EF4-FFF2-40B4-BE49-F238E27FC236}">
+                <a16:creationId xmlns:a16="http://schemas.microsoft.com/office/drawing/2014/main" id="{588283E1-3DB7-40BA-B070-2B8071298D14}"/>
+              </a:ext>
+            </a:extLst>
+          </p:cNvPr>
+          <p:cNvPicPr>
+            <a:picLocks noChangeAspect="1"/>
+          </p:cNvPicPr>
+          <p:nvPr/>
+        </p:nvPicPr>
+        <p:blipFill>
+          <a:blip r:embed="rId5">
+            <a:extLst>
+              <a:ext uri="{28A0092B-C50C-407E-A947-70E740481C1C}">
+                <a14:useLocalDpi xmlns:a14="http://schemas.microsoft.com/office/drawing/2010/main" val="0"/>
+              </a:ext>
+              <a:ext uri="{96DAC541-7B7A-43D3-8B79-37D633B846F1}">
+                <asvg:svgBlip xmlns:asvg="http://schemas.microsoft.com/office/drawing/2016/SVG/main" r:embed="rId6"/>
+              </a:ext>
+            </a:extLst>
+          </a:blip>
+          <a:stretch>
+            <a:fillRect/>
+          </a:stretch>
+        </p:blipFill>
+        <p:spPr>
+          <a:xfrm>
+            <a:off x="1320800" y="2057400"/>
+            <a:ext cx="914400" cy="914400"/>
+          </a:xfrm>
+          <a:prstGeom prst="rect">
+            <a:avLst/>
+          </a:prstGeom>
+        </p:spPr>
+      </p:pic>
+      <p:cxnSp>
+        <p:nvCxnSpPr>
+          <p:cNvPr id="11" name="연결선: 꺾임 10">
+            <a:extLst>
+              <a:ext uri="{FF2B5EF4-FFF2-40B4-BE49-F238E27FC236}">
+                <a16:creationId xmlns:a16="http://schemas.microsoft.com/office/drawing/2014/main" id="{94A7E435-D846-4252-8BBF-0B13A4C117E0}"/>
+              </a:ext>
+            </a:extLst>
+          </p:cNvPr>
+          <p:cNvCxnSpPr>
+            <a:cxnSpLocks/>
+          </p:cNvCxnSpPr>
+          <p:nvPr/>
+        </p:nvCxnSpPr>
+        <p:spPr>
+          <a:xfrm>
+            <a:off x="2229449" y="2436962"/>
+            <a:ext cx="7794445" cy="742073"/>
+          </a:xfrm>
+          <a:prstGeom prst="bentConnector3">
+            <a:avLst/>
+          </a:prstGeom>
+          <a:ln>
+            <a:tailEnd type="triangle"/>
+          </a:ln>
+        </p:spPr>
+        <p:style>
+          <a:lnRef idx="1">
+            <a:schemeClr val="dk1"/>
+          </a:lnRef>
+          <a:fillRef idx="0">
+            <a:schemeClr val="dk1"/>
+          </a:fillRef>
+          <a:effectRef idx="0">
+            <a:schemeClr val="dk1"/>
+          </a:effectRef>
+          <a:fontRef idx="minor">
+            <a:schemeClr val="tx1"/>
+          </a:fontRef>
+        </p:style>
+      </p:cxnSp>
+      <p:cxnSp>
+        <p:nvCxnSpPr>
+          <p:cNvPr id="14" name="연결선: 꺾임 13">
+            <a:extLst>
+              <a:ext uri="{FF2B5EF4-FFF2-40B4-BE49-F238E27FC236}">
+                <a16:creationId xmlns:a16="http://schemas.microsoft.com/office/drawing/2014/main" id="{3D1A3928-5A5F-464D-9049-923634A1D08D}"/>
+              </a:ext>
+            </a:extLst>
+          </p:cNvPr>
+          <p:cNvCxnSpPr>
+            <a:cxnSpLocks/>
+            <a:stCxn id="8" idx="3"/>
+          </p:cNvCxnSpPr>
+          <p:nvPr/>
+        </p:nvCxnSpPr>
+        <p:spPr>
+          <a:xfrm flipV="1">
+            <a:off x="2235200" y="4179771"/>
+            <a:ext cx="7788694" cy="925629"/>
+          </a:xfrm>
+          <a:prstGeom prst="bentConnector3">
+            <a:avLst/>
+          </a:prstGeom>
+          <a:ln>
+            <a:tailEnd type="triangle"/>
+          </a:ln>
+        </p:spPr>
+        <p:style>
+          <a:lnRef idx="1">
+            <a:schemeClr val="dk1"/>
+          </a:lnRef>
+          <a:fillRef idx="0">
+            <a:schemeClr val="dk1"/>
+          </a:fillRef>
+          <a:effectRef idx="0">
+            <a:schemeClr val="dk1"/>
+          </a:effectRef>
+          <a:fontRef idx="minor">
+            <a:schemeClr val="tx1"/>
+          </a:fontRef>
+        </p:style>
+      </p:cxnSp>
+      <p:graphicFrame>
+        <p:nvGraphicFramePr>
+          <p:cNvPr id="15" name="표 15">
+            <a:extLst>
+              <a:ext uri="{FF2B5EF4-FFF2-40B4-BE49-F238E27FC236}">
+                <a16:creationId xmlns:a16="http://schemas.microsoft.com/office/drawing/2014/main" id="{E0BCCA69-0394-4B69-AC51-4B8376858FB1}"/>
+              </a:ext>
+            </a:extLst>
+          </p:cNvPr>
+          <p:cNvGraphicFramePr>
+            <a:graphicFrameLocks noGrp="1"/>
+          </p:cNvGraphicFramePr>
+          <p:nvPr>
+            <p:extLst>
+              <p:ext uri="{D42A27DB-BD31-4B8C-83A1-F6EECF244321}">
+                <p14:modId xmlns:p14="http://schemas.microsoft.com/office/powerpoint/2010/main" val="1808471258"/>
+              </p:ext>
+            </p:extLst>
+          </p:nvPr>
+        </p:nvGraphicFramePr>
+        <p:xfrm>
+          <a:off x="2584089" y="5152014"/>
+          <a:ext cx="3264620" cy="1280160"/>
+        </p:xfrm>
+        <a:graphic>
+          <a:graphicData uri="http://schemas.openxmlformats.org/drawingml/2006/table">
+            <a:tbl>
+              <a:tblPr firstRow="1" bandRow="1">
+                <a:tableStyleId>{FABFCF23-3B69-468F-B69F-88F6DE6A72F2}</a:tableStyleId>
+              </a:tblPr>
+              <a:tblGrid>
+                <a:gridCol w="1632310">
+                  <a:extLst>
+                    <a:ext uri="{9D8B030D-6E8A-4147-A177-3AD203B41FA5}">
+                      <a16:colId xmlns:a16="http://schemas.microsoft.com/office/drawing/2014/main" val="2295177700"/>
+                    </a:ext>
+                  </a:extLst>
+                </a:gridCol>
+                <a:gridCol w="1632310">
+                  <a:extLst>
+                    <a:ext uri="{9D8B030D-6E8A-4147-A177-3AD203B41FA5}">
+                      <a16:colId xmlns:a16="http://schemas.microsoft.com/office/drawing/2014/main" val="1839214197"/>
+                    </a:ext>
+                  </a:extLst>
+                </a:gridCol>
+              </a:tblGrid>
+              <a:tr h="457200">
+                <a:tc>
+                  <a:txBody>
+                    <a:bodyPr/>
+                    <a:lstStyle/>
+                    <a:p>
+                      <a:pPr latinLnBrk="1"/>
+                      <a:r>
+                        <a:rPr lang="ko-KR" altLang="en-US" dirty="0"/>
+                        <a:t>출발지 포트</a:t>
+                      </a:r>
+                      <a:endParaRPr lang="en-US" altLang="ko-KR" dirty="0"/>
+                    </a:p>
+                    <a:p>
+                      <a:pPr latinLnBrk="1"/>
+                      <a:r>
+                        <a:rPr lang="en-US" altLang="ko-KR" dirty="0"/>
+                        <a:t>19000</a:t>
+                      </a:r>
+                      <a:endParaRPr lang="ko-KR" altLang="en-US" dirty="0"/>
+                    </a:p>
+                  </a:txBody>
+                  <a:tcPr/>
+                </a:tc>
+                <a:tc>
+                  <a:txBody>
+                    <a:bodyPr/>
+                    <a:lstStyle/>
+                    <a:p>
+                      <a:pPr latinLnBrk="1"/>
+                      <a:r>
+                        <a:rPr lang="ko-KR" altLang="en-US" dirty="0"/>
+                        <a:t>목적지 포트</a:t>
+                      </a:r>
+                      <a:endParaRPr lang="en-US" altLang="ko-KR" dirty="0"/>
+                    </a:p>
+                    <a:p>
+                      <a:pPr latinLnBrk="1"/>
+                      <a:r>
+                        <a:rPr lang="en-US" altLang="ko-KR" dirty="0"/>
+                        <a:t>80</a:t>
+                      </a:r>
+                      <a:endParaRPr lang="ko-KR" altLang="en-US" dirty="0"/>
+                    </a:p>
+                  </a:txBody>
+                  <a:tcPr/>
+                </a:tc>
+                <a:extLst>
+                  <a:ext uri="{0D108BD9-81ED-4DB2-BD59-A6C34878D82A}">
+                    <a16:rowId xmlns:a16="http://schemas.microsoft.com/office/drawing/2014/main" val="2808667703"/>
+                  </a:ext>
+                </a:extLst>
+              </a:tr>
+              <a:tr h="457200">
+                <a:tc>
+                  <a:txBody>
+                    <a:bodyPr/>
+                    <a:lstStyle/>
+                    <a:p>
+                      <a:pPr latinLnBrk="1"/>
+                      <a:r>
+                        <a:rPr lang="ko-KR" altLang="en-US" dirty="0"/>
+                        <a:t>출발지 </a:t>
+                      </a:r>
+                      <a:r>
+                        <a:rPr lang="en-US" altLang="ko-KR" dirty="0"/>
+                        <a:t>IP</a:t>
+                      </a:r>
+                    </a:p>
+                    <a:p>
+                      <a:pPr latinLnBrk="1"/>
+                      <a:r>
+                        <a:rPr lang="en-US" altLang="ko-KR" dirty="0"/>
+                        <a:t>191.123.123.1</a:t>
+                      </a:r>
+                      <a:endParaRPr lang="ko-KR" altLang="en-US" dirty="0"/>
+                    </a:p>
+                  </a:txBody>
+                  <a:tcPr/>
+                </a:tc>
+                <a:tc>
+                  <a:txBody>
+                    <a:bodyPr/>
+                    <a:lstStyle/>
+                    <a:p>
+                      <a:pPr latinLnBrk="1"/>
+                      <a:r>
+                        <a:rPr lang="ko-KR" altLang="en-US" dirty="0"/>
+                        <a:t>목적지 </a:t>
+                      </a:r>
+                      <a:r>
+                        <a:rPr lang="en-US" altLang="ko-KR" dirty="0"/>
+                        <a:t>IP</a:t>
+                      </a:r>
+                    </a:p>
+                    <a:p>
+                      <a:pPr latinLnBrk="1"/>
+                      <a:r>
+                        <a:rPr lang="en-US" altLang="ko-KR" dirty="0"/>
+                        <a:t>10.1.1.1</a:t>
+                      </a:r>
+                      <a:endParaRPr lang="ko-KR" altLang="en-US" dirty="0"/>
+                    </a:p>
+                  </a:txBody>
+                  <a:tcPr/>
+                </a:tc>
+                <a:extLst>
+                  <a:ext uri="{0D108BD9-81ED-4DB2-BD59-A6C34878D82A}">
+                    <a16:rowId xmlns:a16="http://schemas.microsoft.com/office/drawing/2014/main" val="3655474584"/>
+                  </a:ext>
+                </a:extLst>
+              </a:tr>
+            </a:tbl>
+          </a:graphicData>
+        </a:graphic>
+      </p:graphicFrame>
+      <p:graphicFrame>
+        <p:nvGraphicFramePr>
+          <p:cNvPr id="16" name="표 15">
+            <a:extLst>
+              <a:ext uri="{FF2B5EF4-FFF2-40B4-BE49-F238E27FC236}">
+                <a16:creationId xmlns:a16="http://schemas.microsoft.com/office/drawing/2014/main" id="{C445473F-BC8E-42E9-9560-A730164622FA}"/>
+              </a:ext>
+            </a:extLst>
+          </p:cNvPr>
+          <p:cNvGraphicFramePr>
+            <a:graphicFrameLocks noGrp="1"/>
+          </p:cNvGraphicFramePr>
+          <p:nvPr/>
+        </p:nvGraphicFramePr>
+        <p:xfrm>
+          <a:off x="2584089" y="1070466"/>
+          <a:ext cx="3264620" cy="1280160"/>
+        </p:xfrm>
+        <a:graphic>
+          <a:graphicData uri="http://schemas.openxmlformats.org/drawingml/2006/table">
+            <a:tbl>
+              <a:tblPr firstRow="1" bandRow="1">
+                <a:tableStyleId>{FABFCF23-3B69-468F-B69F-88F6DE6A72F2}</a:tableStyleId>
+              </a:tblPr>
+              <a:tblGrid>
+                <a:gridCol w="1632310">
+                  <a:extLst>
+                    <a:ext uri="{9D8B030D-6E8A-4147-A177-3AD203B41FA5}">
+                      <a16:colId xmlns:a16="http://schemas.microsoft.com/office/drawing/2014/main" val="2295177700"/>
+                    </a:ext>
+                  </a:extLst>
+                </a:gridCol>
+                <a:gridCol w="1632310">
+                  <a:extLst>
+                    <a:ext uri="{9D8B030D-6E8A-4147-A177-3AD203B41FA5}">
+                      <a16:colId xmlns:a16="http://schemas.microsoft.com/office/drawing/2014/main" val="1839214197"/>
+                    </a:ext>
+                  </a:extLst>
+                </a:gridCol>
+              </a:tblGrid>
+              <a:tr h="457200">
+                <a:tc>
+                  <a:txBody>
+                    <a:bodyPr/>
+                    <a:lstStyle/>
+                    <a:p>
+                      <a:pPr latinLnBrk="1"/>
+                      <a:r>
+                        <a:rPr lang="ko-KR" altLang="en-US" dirty="0"/>
+                        <a:t>출발지 포트</a:t>
+                      </a:r>
+                      <a:endParaRPr lang="en-US" altLang="ko-KR" dirty="0"/>
+                    </a:p>
+                    <a:p>
+                      <a:pPr latinLnBrk="1"/>
+                      <a:r>
+                        <a:rPr lang="en-US" altLang="ko-KR" dirty="0"/>
+                        <a:t>19000</a:t>
+                      </a:r>
+                      <a:endParaRPr lang="ko-KR" altLang="en-US" dirty="0"/>
+                    </a:p>
+                  </a:txBody>
+                  <a:tcPr/>
+                </a:tc>
+                <a:tc>
+                  <a:txBody>
+                    <a:bodyPr/>
+                    <a:lstStyle/>
+                    <a:p>
+                      <a:pPr latinLnBrk="1"/>
+                      <a:r>
+                        <a:rPr lang="ko-KR" altLang="en-US" dirty="0"/>
+                        <a:t>목적지 포트</a:t>
+                      </a:r>
+                      <a:endParaRPr lang="en-US" altLang="ko-KR" dirty="0"/>
+                    </a:p>
+                    <a:p>
+                      <a:pPr latinLnBrk="1"/>
+                      <a:r>
+                        <a:rPr lang="en-US" altLang="ko-KR" dirty="0"/>
+                        <a:t>80</a:t>
+                      </a:r>
+                      <a:endParaRPr lang="ko-KR" altLang="en-US" dirty="0"/>
+                    </a:p>
+                  </a:txBody>
+                  <a:tcPr/>
+                </a:tc>
+                <a:extLst>
+                  <a:ext uri="{0D108BD9-81ED-4DB2-BD59-A6C34878D82A}">
+                    <a16:rowId xmlns:a16="http://schemas.microsoft.com/office/drawing/2014/main" val="2808667703"/>
+                  </a:ext>
+                </a:extLst>
+              </a:tr>
+              <a:tr h="457200">
+                <a:tc>
+                  <a:txBody>
+                    <a:bodyPr/>
+                    <a:lstStyle/>
+                    <a:p>
+                      <a:pPr latinLnBrk="1"/>
+                      <a:r>
+                        <a:rPr lang="ko-KR" altLang="en-US" dirty="0"/>
+                        <a:t>출발지 </a:t>
+                      </a:r>
+                      <a:r>
+                        <a:rPr lang="en-US" altLang="ko-KR" dirty="0"/>
+                        <a:t>IP</a:t>
+                      </a:r>
+                    </a:p>
+                    <a:p>
+                      <a:pPr latinLnBrk="1"/>
+                      <a:r>
+                        <a:rPr lang="en-US" altLang="ko-KR" dirty="0"/>
+                        <a:t>202.112.57.1</a:t>
+                      </a:r>
+                      <a:endParaRPr lang="ko-KR" altLang="en-US" dirty="0"/>
+                    </a:p>
+                  </a:txBody>
+                  <a:tcPr/>
+                </a:tc>
+                <a:tc>
+                  <a:txBody>
+                    <a:bodyPr/>
+                    <a:lstStyle/>
+                    <a:p>
+                      <a:pPr latinLnBrk="1"/>
+                      <a:r>
+                        <a:rPr lang="ko-KR" altLang="en-US" dirty="0"/>
+                        <a:t>목적지 </a:t>
+                      </a:r>
+                      <a:r>
+                        <a:rPr lang="en-US" altLang="ko-KR" dirty="0"/>
+                        <a:t>IP</a:t>
+                      </a:r>
+                    </a:p>
+                    <a:p>
+                      <a:pPr latinLnBrk="1"/>
+                      <a:r>
+                        <a:rPr lang="en-US" altLang="ko-KR" dirty="0"/>
+                        <a:t>10.1.1.1</a:t>
+                      </a:r>
+                      <a:endParaRPr lang="ko-KR" altLang="en-US" dirty="0"/>
+                    </a:p>
+                  </a:txBody>
+                  <a:tcPr/>
+                </a:tc>
+                <a:extLst>
+                  <a:ext uri="{0D108BD9-81ED-4DB2-BD59-A6C34878D82A}">
+                    <a16:rowId xmlns:a16="http://schemas.microsoft.com/office/drawing/2014/main" val="3655474584"/>
+                  </a:ext>
+                </a:extLst>
+              </a:tr>
+            </a:tbl>
+          </a:graphicData>
+        </a:graphic>
+      </p:graphicFrame>
+      <p:sp>
+        <p:nvSpPr>
+          <p:cNvPr id="17" name="타원 16">
+            <a:extLst>
+              <a:ext uri="{FF2B5EF4-FFF2-40B4-BE49-F238E27FC236}">
+                <a16:creationId xmlns:a16="http://schemas.microsoft.com/office/drawing/2014/main" id="{5DE97FA1-F7AE-4A5E-A586-047F4EDF6960}"/>
+              </a:ext>
+            </a:extLst>
+          </p:cNvPr>
+          <p:cNvSpPr/>
+          <p:nvPr/>
+        </p:nvSpPr>
+        <p:spPr>
+          <a:xfrm>
+            <a:off x="10179171" y="2876909"/>
+            <a:ext cx="603849" cy="552091"/>
+          </a:xfrm>
+          <a:prstGeom prst="ellipse">
+            <a:avLst/>
+          </a:prstGeom>
+        </p:spPr>
+        <p:style>
+          <a:lnRef idx="2">
+            <a:schemeClr val="accent6"/>
+          </a:lnRef>
+          <a:fillRef idx="1">
+            <a:schemeClr val="lt1"/>
+          </a:fillRef>
+          <a:effectRef idx="0">
+            <a:schemeClr val="accent6"/>
+          </a:effectRef>
+          <a:fontRef idx="minor">
+            <a:schemeClr val="dk1"/>
+          </a:fontRef>
+        </p:style>
+        <p:txBody>
+          <a:bodyPr rtlCol="0" anchor="ctr"/>
+          <a:lstStyle/>
+          <a:p>
+            <a:pPr algn="ctr"/>
+            <a:r>
+              <a:rPr lang="en-US" altLang="ko-KR" sz="1000" dirty="0"/>
+              <a:t>port</a:t>
+            </a:r>
+            <a:endParaRPr lang="ko-KR" altLang="en-US" sz="1000" dirty="0"/>
+          </a:p>
+        </p:txBody>
+      </p:sp>
+      <p:sp>
+        <p:nvSpPr>
+          <p:cNvPr id="20" name="타원 19">
+            <a:extLst>
+              <a:ext uri="{FF2B5EF4-FFF2-40B4-BE49-F238E27FC236}">
+                <a16:creationId xmlns:a16="http://schemas.microsoft.com/office/drawing/2014/main" id="{8D38F8C9-6E57-446D-99FE-FBD3A10E46C7}"/>
+              </a:ext>
+            </a:extLst>
+          </p:cNvPr>
+          <p:cNvSpPr/>
+          <p:nvPr/>
+        </p:nvSpPr>
+        <p:spPr>
+          <a:xfrm>
+            <a:off x="10179171" y="3976259"/>
+            <a:ext cx="603849" cy="552091"/>
+          </a:xfrm>
+          <a:prstGeom prst="ellipse">
+            <a:avLst/>
+          </a:prstGeom>
+        </p:spPr>
+        <p:style>
+          <a:lnRef idx="2">
+            <a:schemeClr val="accent6"/>
+          </a:lnRef>
+          <a:fillRef idx="1">
+            <a:schemeClr val="lt1"/>
+          </a:fillRef>
+          <a:effectRef idx="0">
+            <a:schemeClr val="accent6"/>
+          </a:effectRef>
+          <a:fontRef idx="minor">
+            <a:schemeClr val="dk1"/>
+          </a:fontRef>
+        </p:style>
+        <p:txBody>
+          <a:bodyPr rtlCol="0" anchor="ctr"/>
+          <a:lstStyle/>
+          <a:p>
+            <a:pPr algn="ctr"/>
+            <a:r>
+              <a:rPr lang="en-US" altLang="ko-KR" sz="1000" dirty="0"/>
+              <a:t>port</a:t>
+            </a:r>
+            <a:endParaRPr lang="ko-KR" altLang="en-US" sz="1000" dirty="0"/>
+          </a:p>
+        </p:txBody>
+      </p:sp>
+    </p:spTree>
+    <p:extLst>
+      <p:ext uri="{BB962C8B-B14F-4D97-AF65-F5344CB8AC3E}">
+        <p14:creationId xmlns:p14="http://schemas.microsoft.com/office/powerpoint/2010/main" val="3678490675"/>
+      </p:ext>
+    </p:extLst>
+  </p:cSld>
+  <p:clrMapOvr>
+    <a:masterClrMapping/>
+  </p:clrMapOvr>
+</p:sld>
+</file>
+
+<file path=ppt/slides/slide11.xml><?xml version="1.0" encoding="utf-8"?>
+<p:sld xmlns:a="http://schemas.openxmlformats.org/drawingml/2006/main" xmlns:r="http://schemas.openxmlformats.org/officeDocument/2006/relationships" xmlns:p="http://schemas.openxmlformats.org/presentationml/2006/main">
+  <p:cSld>
+    <p:spTree>
+      <p:nvGrpSpPr>
+        <p:cNvPr id="1" name=""/>
+        <p:cNvGrpSpPr/>
+        <p:nvPr/>
+      </p:nvGrpSpPr>
+      <p:grpSpPr>
+        <a:xfrm>
+          <a:off x="0" y="0"/>
+          <a:ext cx="0" cy="0"/>
+          <a:chOff x="0" y="0"/>
+          <a:chExt cx="0" cy="0"/>
+        </a:xfrm>
+      </p:grpSpPr>
+      <p:sp>
+        <p:nvSpPr>
           <p:cNvPr id="7" name="타원 6">
             <a:extLst>
               <a:ext uri="{FF2B5EF4-FFF2-40B4-BE49-F238E27FC236}">
@@ -6363,8 +7135,8 @@
         </p:nvSpPr>
         <p:spPr>
           <a:xfrm>
-            <a:off x="1463615" y="2208363"/>
-            <a:ext cx="9264769" cy="3539430"/>
+            <a:off x="838201" y="1445868"/>
+            <a:ext cx="9890184" cy="4832092"/>
           </a:xfrm>
           <a:prstGeom prst="rect">
             <a:avLst/>
@@ -6429,6 +7201,59 @@
               <a:rPr lang="en-US" altLang="ko-KR" sz="2800" dirty="0"/>
               <a:t>.</a:t>
             </a:r>
+          </a:p>
+          <a:p>
+            <a:endParaRPr lang="en-US" altLang="ko-KR" sz="2800" dirty="0"/>
+          </a:p>
+          <a:p>
+            <a:r>
+              <a:rPr lang="ko-KR" altLang="en-US" sz="2800" dirty="0"/>
+              <a:t>캡슐화 </a:t>
+            </a:r>
+            <a:r>
+              <a:rPr lang="en-US" altLang="ko-KR" sz="2800" dirty="0"/>
+              <a:t>: </a:t>
+            </a:r>
+            <a:r>
+              <a:rPr lang="ko-KR" altLang="en-US" sz="2800" dirty="0" err="1"/>
+              <a:t>모아줌의</a:t>
+            </a:r>
+            <a:r>
+              <a:rPr lang="ko-KR" altLang="en-US" sz="2800" dirty="0"/>
+              <a:t> 대상</a:t>
+            </a:r>
+            <a:endParaRPr lang="en-US" altLang="ko-KR" sz="2800" dirty="0"/>
+          </a:p>
+          <a:p>
+            <a:r>
+              <a:rPr lang="ko-KR" altLang="en-US" sz="2800" dirty="0"/>
+              <a:t>다중화 </a:t>
+            </a:r>
+            <a:r>
+              <a:rPr lang="en-US" altLang="ko-KR" sz="2800" dirty="0"/>
+              <a:t>: </a:t>
+            </a:r>
+            <a:r>
+              <a:rPr lang="ko-KR" altLang="en-US" sz="2800" dirty="0"/>
+              <a:t>모아서 </a:t>
+            </a:r>
+            <a:r>
+              <a:rPr lang="en-US" altLang="ko-KR" sz="2800" dirty="0"/>
+              <a:t>+ (</a:t>
+            </a:r>
+            <a:r>
+              <a:rPr lang="ko-KR" altLang="en-US" sz="2800" dirty="0"/>
+              <a:t>하위 레이어로</a:t>
+            </a:r>
+            <a:r>
+              <a:rPr lang="en-US" altLang="ko-KR" sz="2800" dirty="0"/>
+              <a:t>)</a:t>
+            </a:r>
+            <a:r>
+              <a:rPr lang="ko-KR" altLang="en-US" sz="2800" dirty="0"/>
+              <a:t>보내줌</a:t>
+            </a:r>
+            <a:endParaRPr lang="en-US" altLang="ko-KR" sz="2800" dirty="0"/>
           </a:p>
         </p:txBody>
       </p:sp>
@@ -6639,7 +7464,7 @@
         <p:spPr>
           <a:xfrm>
             <a:off x="2229449" y="2436962"/>
-            <a:ext cx="7846203" cy="1285608"/>
+            <a:ext cx="7846203" cy="897822"/>
           </a:xfrm>
           <a:prstGeom prst="bentConnector3">
             <a:avLst/>
@@ -6679,8 +7504,8 @@
         </p:nvCxnSpPr>
         <p:spPr>
           <a:xfrm flipV="1">
-            <a:off x="2286958" y="3927361"/>
-            <a:ext cx="7788694" cy="925629"/>
+            <a:off x="2286958" y="4243941"/>
+            <a:ext cx="7788694" cy="609049"/>
           </a:xfrm>
           <a:prstGeom prst="bentConnector3">
             <a:avLst/>
@@ -6719,7 +7544,7 @@
           <p:nvPr>
             <p:extLst>
               <p:ext uri="{D42A27DB-BD31-4B8C-83A1-F6EECF244321}">
-                <p14:modId xmlns:p14="http://schemas.microsoft.com/office/powerpoint/2010/main" val="149038774"/>
+                <p14:modId xmlns:p14="http://schemas.microsoft.com/office/powerpoint/2010/main" val="7223441"/>
               </p:ext>
             </p:extLst>
           </p:nvPr>
@@ -6790,7 +7615,7 @@
                       <a:pPr latinLnBrk="1"/>
                       <a:r>
                         <a:rPr lang="en-US" altLang="ko-KR" dirty="0"/>
-                        <a:t>80</a:t>
+                        <a:t>500</a:t>
                       </a:r>
                       <a:endParaRPr lang="ko-KR" altLang="en-US" dirty="0"/>
                     </a:p>
@@ -6859,7 +7684,7 @@
           <p:nvPr>
             <p:extLst>
               <p:ext uri="{D42A27DB-BD31-4B8C-83A1-F6EECF244321}">
-                <p14:modId xmlns:p14="http://schemas.microsoft.com/office/powerpoint/2010/main" val="2057915502"/>
+                <p14:modId xmlns:p14="http://schemas.microsoft.com/office/powerpoint/2010/main" val="885370999"/>
               </p:ext>
             </p:extLst>
           </p:nvPr>
@@ -6930,7 +7755,7 @@
                       <a:pPr latinLnBrk="1"/>
                       <a:r>
                         <a:rPr lang="en-US" altLang="ko-KR" dirty="0"/>
-                        <a:t>80</a:t>
+                        <a:t>300</a:t>
                       </a:r>
                       <a:endParaRPr lang="ko-KR" altLang="en-US" dirty="0"/>
                     </a:p>
@@ -6998,7 +7823,7 @@
         </p:nvSpPr>
         <p:spPr>
           <a:xfrm>
-            <a:off x="10245786" y="3554627"/>
+            <a:off x="10218308" y="3097426"/>
             <a:ext cx="603849" cy="552091"/>
           </a:xfrm>
           <a:prstGeom prst="ellipse">
@@ -7032,10 +7857,58 @@
           </a:p>
         </p:txBody>
       </p:sp>
+      <p:sp>
+        <p:nvSpPr>
+          <p:cNvPr id="12" name="타원 11">
+            <a:extLst>
+              <a:ext uri="{FF2B5EF4-FFF2-40B4-BE49-F238E27FC236}">
+                <a16:creationId xmlns:a16="http://schemas.microsoft.com/office/drawing/2014/main" id="{35F0BE64-57B4-433B-8A8C-1285ACC66BA3}"/>
+              </a:ext>
+            </a:extLst>
+          </p:cNvPr>
+          <p:cNvSpPr/>
+          <p:nvPr/>
+        </p:nvSpPr>
+        <p:spPr>
+          <a:xfrm>
+            <a:off x="10230767" y="3967896"/>
+            <a:ext cx="603849" cy="552091"/>
+          </a:xfrm>
+          <a:prstGeom prst="ellipse">
+            <a:avLst/>
+          </a:prstGeom>
+        </p:spPr>
+        <p:style>
+          <a:lnRef idx="2">
+            <a:schemeClr val="accent6"/>
+          </a:lnRef>
+          <a:fillRef idx="1">
+            <a:schemeClr val="lt1"/>
+          </a:fillRef>
+          <a:effectRef idx="0">
+            <a:schemeClr val="accent6"/>
+          </a:effectRef>
+          <a:fontRef idx="minor">
+            <a:schemeClr val="dk1"/>
+          </a:fontRef>
+        </p:style>
+        <p:txBody>
+          <a:bodyPr rtlCol="0" anchor="ctr"/>
+          <a:lstStyle/>
+          <a:p>
+            <a:pPr algn="ctr"/>
+            <a:r>
+              <a:rPr lang="en-US" altLang="ko-KR" sz="1000" dirty="0"/>
+              <a:t>port</a:t>
+            </a:r>
+            <a:endParaRPr lang="ko-KR" altLang="en-US" sz="1000" dirty="0"/>
+          </a:p>
+        </p:txBody>
+      </p:sp>
     </p:spTree>
     <p:extLst>
       <p:ext uri="{BB962C8B-B14F-4D97-AF65-F5344CB8AC3E}">
-        <p14:creationId xmlns:p14="http://schemas.microsoft.com/office/powerpoint/2010/main" val="1701845631"/>
+        <p14:creationId xmlns:p14="http://schemas.microsoft.com/office/powerpoint/2010/main" val="1748867570"/>
       </p:ext>
     </p:extLst>
   </p:cSld>
@@ -7091,7 +7964,7 @@
             <a:pPr algn="ctr"/>
             <a:r>
               <a:rPr lang="en-US" altLang="ko-KR" dirty="0"/>
-              <a:t>TCP</a:t>
+              <a:t>UDP</a:t>
             </a:r>
             <a:r>
               <a:rPr lang="ko-KR" altLang="en-US" dirty="0"/>
@@ -7136,7 +8009,7 @@
         </p:blipFill>
         <p:spPr>
           <a:xfrm>
-            <a:off x="10849635" y="3265371"/>
+            <a:off x="10789249" y="3373472"/>
             <a:ext cx="914400" cy="914400"/>
           </a:xfrm>
           <a:prstGeom prst="rect">
@@ -7239,10 +8112,12 @@
         <p:spPr>
           <a:xfrm>
             <a:off x="2229449" y="2436962"/>
-            <a:ext cx="7794445" cy="742073"/>
+            <a:ext cx="7846203" cy="1285608"/>
           </a:xfrm>
           <a:prstGeom prst="bentConnector3">
-            <a:avLst/>
+            <a:avLst>
+              <a:gd name="adj1" fmla="val 50216"/>
+            </a:avLst>
           </a:prstGeom>
           <a:ln>
             <a:tailEnd type="triangle"/>
@@ -7274,13 +8149,12 @@
           </p:cNvPr>
           <p:cNvCxnSpPr>
             <a:cxnSpLocks/>
-            <a:stCxn id="8" idx="3"/>
           </p:cNvCxnSpPr>
           <p:nvPr/>
         </p:nvCxnSpPr>
         <p:spPr>
           <a:xfrm flipV="1">
-            <a:off x="2235200" y="4179771"/>
+            <a:off x="2286958" y="3927361"/>
             <a:ext cx="7788694" cy="925629"/>
           </a:xfrm>
           <a:prstGeom prst="bentConnector3">
@@ -7317,11 +8191,157 @@
           <p:cNvGraphicFramePr>
             <a:graphicFrameLocks noGrp="1"/>
           </p:cNvGraphicFramePr>
-          <p:nvPr/>
+          <p:nvPr>
+            <p:extLst>
+              <p:ext uri="{D42A27DB-BD31-4B8C-83A1-F6EECF244321}">
+                <p14:modId xmlns:p14="http://schemas.microsoft.com/office/powerpoint/2010/main" val="2100890960"/>
+              </p:ext>
+            </p:extLst>
+          </p:nvPr>
         </p:nvGraphicFramePr>
         <p:xfrm>
-          <a:off x="2584089" y="5152014"/>
-          <a:ext cx="3264620" cy="1280160"/>
+          <a:off x="2584089" y="5238894"/>
+          <a:ext cx="3264620" cy="1097280"/>
+        </p:xfrm>
+        <a:graphic>
+          <a:graphicData uri="http://schemas.openxmlformats.org/drawingml/2006/table">
+            <a:tbl>
+              <a:tblPr firstRow="1" bandRow="1">
+                <a:tableStyleId>{FABFCF23-3B69-468F-B69F-88F6DE6A72F2}</a:tableStyleId>
+              </a:tblPr>
+              <a:tblGrid>
+                <a:gridCol w="1632310">
+                  <a:extLst>
+                    <a:ext uri="{9D8B030D-6E8A-4147-A177-3AD203B41FA5}">
+                      <a16:colId xmlns:a16="http://schemas.microsoft.com/office/drawing/2014/main" val="2295177700"/>
+                    </a:ext>
+                  </a:extLst>
+                </a:gridCol>
+                <a:gridCol w="1632310">
+                  <a:extLst>
+                    <a:ext uri="{9D8B030D-6E8A-4147-A177-3AD203B41FA5}">
+                      <a16:colId xmlns:a16="http://schemas.microsoft.com/office/drawing/2014/main" val="1839214197"/>
+                    </a:ext>
+                  </a:extLst>
+                </a:gridCol>
+              </a:tblGrid>
+              <a:tr h="457200">
+                <a:tc>
+                  <a:txBody>
+                    <a:bodyPr/>
+                    <a:lstStyle/>
+                    <a:p>
+                      <a:pPr latinLnBrk="1"/>
+                      <a:r>
+                        <a:rPr lang="ko-KR" altLang="en-US" dirty="0"/>
+                        <a:t>출발지 포트</a:t>
+                      </a:r>
+                      <a:endParaRPr lang="en-US" altLang="ko-KR" dirty="0"/>
+                    </a:p>
+                    <a:p>
+                      <a:pPr latinLnBrk="1"/>
+                      <a:r>
+                        <a:rPr lang="en-US" altLang="ko-KR" dirty="0"/>
+                        <a:t>26000</a:t>
+                      </a:r>
+                      <a:endParaRPr lang="ko-KR" altLang="en-US" dirty="0"/>
+                    </a:p>
+                  </a:txBody>
+                  <a:tcPr/>
+                </a:tc>
+                <a:tc>
+                  <a:txBody>
+                    <a:bodyPr/>
+                    <a:lstStyle/>
+                    <a:p>
+                      <a:pPr latinLnBrk="1"/>
+                      <a:r>
+                        <a:rPr lang="ko-KR" altLang="en-US" dirty="0"/>
+                        <a:t>목적지 포트</a:t>
+                      </a:r>
+                      <a:endParaRPr lang="en-US" altLang="ko-KR" dirty="0"/>
+                    </a:p>
+                    <a:p>
+                      <a:pPr latinLnBrk="1"/>
+                      <a:r>
+                        <a:rPr lang="en-US" altLang="ko-KR" dirty="0"/>
+                        <a:t>300</a:t>
+                      </a:r>
+                      <a:endParaRPr lang="ko-KR" altLang="en-US" dirty="0"/>
+                    </a:p>
+                  </a:txBody>
+                  <a:tcPr/>
+                </a:tc>
+                <a:extLst>
+                  <a:ext uri="{0D108BD9-81ED-4DB2-BD59-A6C34878D82A}">
+                    <a16:rowId xmlns:a16="http://schemas.microsoft.com/office/drawing/2014/main" val="2808667703"/>
+                  </a:ext>
+                </a:extLst>
+              </a:tr>
+              <a:tr h="457200">
+                <a:tc>
+                  <a:txBody>
+                    <a:bodyPr/>
+                    <a:lstStyle/>
+                    <a:p>
+                      <a:pPr latinLnBrk="1"/>
+                      <a:r>
+                        <a:rPr lang="en-US" altLang="ko-KR" dirty="0"/>
+                        <a:t>?</a:t>
+                      </a:r>
+                      <a:endParaRPr lang="ko-KR" altLang="en-US" dirty="0"/>
+                    </a:p>
+                  </a:txBody>
+                  <a:tcPr/>
+                </a:tc>
+                <a:tc>
+                  <a:txBody>
+                    <a:bodyPr/>
+                    <a:lstStyle/>
+                    <a:p>
+                      <a:pPr latinLnBrk="1"/>
+                      <a:r>
+                        <a:rPr lang="en-US" altLang="ko-KR" dirty="0"/>
+                        <a:t>?</a:t>
+                      </a:r>
+                      <a:endParaRPr lang="ko-KR" altLang="en-US" dirty="0"/>
+                    </a:p>
+                  </a:txBody>
+                  <a:tcPr/>
+                </a:tc>
+                <a:extLst>
+                  <a:ext uri="{0D108BD9-81ED-4DB2-BD59-A6C34878D82A}">
+                    <a16:rowId xmlns:a16="http://schemas.microsoft.com/office/drawing/2014/main" val="3655474584"/>
+                  </a:ext>
+                </a:extLst>
+              </a:tr>
+            </a:tbl>
+          </a:graphicData>
+        </a:graphic>
+      </p:graphicFrame>
+      <p:graphicFrame>
+        <p:nvGraphicFramePr>
+          <p:cNvPr id="16" name="표 15">
+            <a:extLst>
+              <a:ext uri="{FF2B5EF4-FFF2-40B4-BE49-F238E27FC236}">
+                <a16:creationId xmlns:a16="http://schemas.microsoft.com/office/drawing/2014/main" id="{C445473F-BC8E-42E9-9560-A730164622FA}"/>
+              </a:ext>
+            </a:extLst>
+          </p:cNvPr>
+          <p:cNvGraphicFramePr>
+            <a:graphicFrameLocks noGrp="1"/>
+          </p:cNvGraphicFramePr>
+          <p:nvPr>
+            <p:extLst>
+              <p:ext uri="{D42A27DB-BD31-4B8C-83A1-F6EECF244321}">
+                <p14:modId xmlns:p14="http://schemas.microsoft.com/office/powerpoint/2010/main" val="3987247870"/>
+              </p:ext>
+            </p:extLst>
+          </p:nvPr>
+        </p:nvGraphicFramePr>
+        <p:xfrm>
+          <a:off x="2584089" y="1070466"/>
+          <a:ext cx="3264620" cy="1097280"/>
         </p:xfrm>
         <a:graphic>
           <a:graphicData uri="http://schemas.openxmlformats.org/drawingml/2006/table">
@@ -7385,7 +8405,7 @@
                       <a:pPr latinLnBrk="1"/>
                       <a:r>
                         <a:rPr lang="en-US" altLang="ko-KR" dirty="0"/>
-                        <a:t>80</a:t>
+                        <a:t>300</a:t>
                       </a:r>
                       <a:endParaRPr lang="ko-KR" altLang="en-US" dirty="0"/>
                     </a:p>
@@ -7406,19 +8426,8 @@
                     <a:p>
                       <a:pPr latinLnBrk="1"/>
                       <a:r>
-                        <a:rPr lang="ko-KR" altLang="en-US" dirty="0"/>
-                        <a:t>출발지 </a:t>
-                      </a:r>
-                      <a:r>
                         <a:rPr lang="en-US" altLang="ko-KR" dirty="0"/>
-                        <a:t>IP</a:t>
-                      </a:r>
-                    </a:p>
-                    <a:p>
-                      <a:pPr latinLnBrk="1"/>
-                      <a:r>
-                        <a:rPr lang="en-US" altLang="ko-KR" dirty="0"/>
-                        <a:t>191.123.123.1</a:t>
+                        <a:t>?</a:t>
                       </a:r>
                       <a:endParaRPr lang="ko-KR" altLang="en-US" dirty="0"/>
                     </a:p>
@@ -7432,19 +8441,8 @@
                     <a:p>
                       <a:pPr latinLnBrk="1"/>
                       <a:r>
-                        <a:rPr lang="ko-KR" altLang="en-US" dirty="0"/>
-                        <a:t>목적지 </a:t>
-                      </a:r>
-                      <a:r>
                         <a:rPr lang="en-US" altLang="ko-KR" dirty="0"/>
-                        <a:t>IP</a:t>
-                      </a:r>
-                    </a:p>
-                    <a:p>
-                      <a:pPr latinLnBrk="1"/>
-                      <a:r>
-                        <a:rPr lang="en-US" altLang="ko-KR" dirty="0"/>
-                        <a:t>10.1.1.1</a:t>
+                        <a:t>?</a:t>
                       </a:r>
                       <a:endParaRPr lang="ko-KR" altLang="en-US" dirty="0"/>
                     </a:p>
@@ -7461,168 +8459,12 @@
           </a:graphicData>
         </a:graphic>
       </p:graphicFrame>
-      <p:graphicFrame>
-        <p:nvGraphicFramePr>
-          <p:cNvPr id="16" name="표 15">
-            <a:extLst>
-              <a:ext uri="{FF2B5EF4-FFF2-40B4-BE49-F238E27FC236}">
-                <a16:creationId xmlns:a16="http://schemas.microsoft.com/office/drawing/2014/main" id="{C445473F-BC8E-42E9-9560-A730164622FA}"/>
-              </a:ext>
-            </a:extLst>
-          </p:cNvPr>
-          <p:cNvGraphicFramePr>
-            <a:graphicFrameLocks noGrp="1"/>
-          </p:cNvGraphicFramePr>
-          <p:nvPr/>
-        </p:nvGraphicFramePr>
-        <p:xfrm>
-          <a:off x="2584089" y="1070466"/>
-          <a:ext cx="3264620" cy="1280160"/>
-        </p:xfrm>
-        <a:graphic>
-          <a:graphicData uri="http://schemas.openxmlformats.org/drawingml/2006/table">
-            <a:tbl>
-              <a:tblPr firstRow="1" bandRow="1">
-                <a:tableStyleId>{FABFCF23-3B69-468F-B69F-88F6DE6A72F2}</a:tableStyleId>
-              </a:tblPr>
-              <a:tblGrid>
-                <a:gridCol w="1632310">
-                  <a:extLst>
-                    <a:ext uri="{9D8B030D-6E8A-4147-A177-3AD203B41FA5}">
-                      <a16:colId xmlns:a16="http://schemas.microsoft.com/office/drawing/2014/main" val="2295177700"/>
-                    </a:ext>
-                  </a:extLst>
-                </a:gridCol>
-                <a:gridCol w="1632310">
-                  <a:extLst>
-                    <a:ext uri="{9D8B030D-6E8A-4147-A177-3AD203B41FA5}">
-                      <a16:colId xmlns:a16="http://schemas.microsoft.com/office/drawing/2014/main" val="1839214197"/>
-                    </a:ext>
-                  </a:extLst>
-                </a:gridCol>
-              </a:tblGrid>
-              <a:tr h="457200">
-                <a:tc>
-                  <a:txBody>
-                    <a:bodyPr/>
-                    <a:lstStyle/>
-                    <a:p>
-                      <a:pPr latinLnBrk="1"/>
-                      <a:r>
-                        <a:rPr lang="ko-KR" altLang="en-US" dirty="0"/>
-                        <a:t>출발지 포트</a:t>
-                      </a:r>
-                      <a:endParaRPr lang="en-US" altLang="ko-KR" dirty="0"/>
-                    </a:p>
-                    <a:p>
-                      <a:pPr latinLnBrk="1"/>
-                      <a:r>
-                        <a:rPr lang="en-US" altLang="ko-KR" dirty="0"/>
-                        <a:t>19000</a:t>
-                      </a:r>
-                      <a:endParaRPr lang="ko-KR" altLang="en-US" dirty="0"/>
-                    </a:p>
-                  </a:txBody>
-                  <a:tcPr/>
-                </a:tc>
-                <a:tc>
-                  <a:txBody>
-                    <a:bodyPr/>
-                    <a:lstStyle/>
-                    <a:p>
-                      <a:pPr latinLnBrk="1"/>
-                      <a:r>
-                        <a:rPr lang="ko-KR" altLang="en-US" dirty="0"/>
-                        <a:t>목적지 포트</a:t>
-                      </a:r>
-                      <a:endParaRPr lang="en-US" altLang="ko-KR" dirty="0"/>
-                    </a:p>
-                    <a:p>
-                      <a:pPr latinLnBrk="1"/>
-                      <a:r>
-                        <a:rPr lang="en-US" altLang="ko-KR" dirty="0"/>
-                        <a:t>80</a:t>
-                      </a:r>
-                      <a:endParaRPr lang="ko-KR" altLang="en-US" dirty="0"/>
-                    </a:p>
-                  </a:txBody>
-                  <a:tcPr/>
-                </a:tc>
-                <a:extLst>
-                  <a:ext uri="{0D108BD9-81ED-4DB2-BD59-A6C34878D82A}">
-                    <a16:rowId xmlns:a16="http://schemas.microsoft.com/office/drawing/2014/main" val="2808667703"/>
-                  </a:ext>
-                </a:extLst>
-              </a:tr>
-              <a:tr h="457200">
-                <a:tc>
-                  <a:txBody>
-                    <a:bodyPr/>
-                    <a:lstStyle/>
-                    <a:p>
-                      <a:pPr latinLnBrk="1"/>
-                      <a:r>
-                        <a:rPr lang="ko-KR" altLang="en-US" dirty="0"/>
-                        <a:t>출발지 </a:t>
-                      </a:r>
-                      <a:r>
-                        <a:rPr lang="en-US" altLang="ko-KR" dirty="0"/>
-                        <a:t>IP</a:t>
-                      </a:r>
-                    </a:p>
-                    <a:p>
-                      <a:pPr latinLnBrk="1"/>
-                      <a:r>
-                        <a:rPr lang="en-US" altLang="ko-KR" dirty="0"/>
-                        <a:t>202.112.57.1</a:t>
-                      </a:r>
-                      <a:endParaRPr lang="ko-KR" altLang="en-US" dirty="0"/>
-                    </a:p>
-                  </a:txBody>
-                  <a:tcPr/>
-                </a:tc>
-                <a:tc>
-                  <a:txBody>
-                    <a:bodyPr/>
-                    <a:lstStyle/>
-                    <a:p>
-                      <a:pPr latinLnBrk="1"/>
-                      <a:r>
-                        <a:rPr lang="ko-KR" altLang="en-US" dirty="0"/>
-                        <a:t>목적지 </a:t>
-                      </a:r>
-                      <a:r>
-                        <a:rPr lang="en-US" altLang="ko-KR" dirty="0"/>
-                        <a:t>IP</a:t>
-                      </a:r>
-                    </a:p>
-                    <a:p>
-                      <a:pPr latinLnBrk="1"/>
-                      <a:r>
-                        <a:rPr lang="en-US" altLang="ko-KR" dirty="0"/>
-                        <a:t>10.1.1.1</a:t>
-                      </a:r>
-                      <a:endParaRPr lang="ko-KR" altLang="en-US" dirty="0"/>
-                    </a:p>
-                  </a:txBody>
-                  <a:tcPr/>
-                </a:tc>
-                <a:extLst>
-                  <a:ext uri="{0D108BD9-81ED-4DB2-BD59-A6C34878D82A}">
-                    <a16:rowId xmlns:a16="http://schemas.microsoft.com/office/drawing/2014/main" val="3655474584"/>
-                  </a:ext>
-                </a:extLst>
-              </a:tr>
-            </a:tbl>
-          </a:graphicData>
-        </a:graphic>
-      </p:graphicFrame>
-      <p:sp>
-        <p:nvSpPr>
-          <p:cNvPr id="17" name="타원 16">
-            <a:extLst>
-              <a:ext uri="{FF2B5EF4-FFF2-40B4-BE49-F238E27FC236}">
-                <a16:creationId xmlns:a16="http://schemas.microsoft.com/office/drawing/2014/main" id="{5DE97FA1-F7AE-4A5E-A586-047F4EDF6960}"/>
+      <p:sp>
+        <p:nvSpPr>
+          <p:cNvPr id="20" name="타원 19">
+            <a:extLst>
+              <a:ext uri="{FF2B5EF4-FFF2-40B4-BE49-F238E27FC236}">
+                <a16:creationId xmlns:a16="http://schemas.microsoft.com/office/drawing/2014/main" id="{8D38F8C9-6E57-446D-99FE-FBD3A10E46C7}"/>
               </a:ext>
             </a:extLst>
           </p:cNvPr>
@@ -7631,7 +8473,7 @@
         </p:nvSpPr>
         <p:spPr>
           <a:xfrm>
-            <a:off x="10179171" y="2876909"/>
+            <a:off x="10245786" y="3554627"/>
             <a:ext cx="603849" cy="552091"/>
           </a:xfrm>
           <a:prstGeom prst="ellipse">
@@ -7665,58 +8507,10 @@
           </a:p>
         </p:txBody>
       </p:sp>
-      <p:sp>
-        <p:nvSpPr>
-          <p:cNvPr id="20" name="타원 19">
-            <a:extLst>
-              <a:ext uri="{FF2B5EF4-FFF2-40B4-BE49-F238E27FC236}">
-                <a16:creationId xmlns:a16="http://schemas.microsoft.com/office/drawing/2014/main" id="{8D38F8C9-6E57-446D-99FE-FBD3A10E46C7}"/>
-              </a:ext>
-            </a:extLst>
-          </p:cNvPr>
-          <p:cNvSpPr/>
-          <p:nvPr/>
-        </p:nvSpPr>
-        <p:spPr>
-          <a:xfrm>
-            <a:off x="10179171" y="3976259"/>
-            <a:ext cx="603849" cy="552091"/>
-          </a:xfrm>
-          <a:prstGeom prst="ellipse">
-            <a:avLst/>
-          </a:prstGeom>
-        </p:spPr>
-        <p:style>
-          <a:lnRef idx="2">
-            <a:schemeClr val="accent6"/>
-          </a:lnRef>
-          <a:fillRef idx="1">
-            <a:schemeClr val="lt1"/>
-          </a:fillRef>
-          <a:effectRef idx="0">
-            <a:schemeClr val="accent6"/>
-          </a:effectRef>
-          <a:fontRef idx="minor">
-            <a:schemeClr val="dk1"/>
-          </a:fontRef>
-        </p:style>
-        <p:txBody>
-          <a:bodyPr rtlCol="0" anchor="ctr"/>
-          <a:lstStyle/>
-          <a:p>
-            <a:pPr algn="ctr"/>
-            <a:r>
-              <a:rPr lang="en-US" altLang="ko-KR" sz="1000" dirty="0"/>
-              <a:t>port</a:t>
-            </a:r>
-            <a:endParaRPr lang="ko-KR" altLang="en-US" sz="1000" dirty="0"/>
-          </a:p>
-        </p:txBody>
-      </p:sp>
     </p:spTree>
     <p:extLst>
       <p:ext uri="{BB962C8B-B14F-4D97-AF65-F5344CB8AC3E}">
-        <p14:creationId xmlns:p14="http://schemas.microsoft.com/office/powerpoint/2010/main" val="3678490675"/>
+        <p14:creationId xmlns:p14="http://schemas.microsoft.com/office/powerpoint/2010/main" val="1701845631"/>
       </p:ext>
     </p:extLst>
   </p:cSld>
